--- a/RegrasNegocio/RN_Requisitos.pptx
+++ b/RegrasNegocio/RN_Requisitos.pptx
@@ -13,6 +13,13 @@
     <p:sldId id="260" r:id="rId7"/>
     <p:sldId id="262" r:id="rId8"/>
     <p:sldId id="263" r:id="rId9"/>
+    <p:sldId id="264" r:id="rId10"/>
+    <p:sldId id="265" r:id="rId11"/>
+    <p:sldId id="266" r:id="rId12"/>
+    <p:sldId id="267" r:id="rId13"/>
+    <p:sldId id="268" r:id="rId14"/>
+    <p:sldId id="269" r:id="rId15"/>
+    <p:sldId id="270" r:id="rId16"/>
   </p:sldIdLst>
   <p:sldSz cx="12192000" cy="6858000"/>
   <p:notesSz cx="6858000" cy="9144000"/>
@@ -266,7 +273,7 @@
           <a:p>
             <a:fld id="{0A1764AE-7598-4101-9D63-6EC8D69CE664}" type="datetimeFigureOut">
               <a:rPr lang="pt-BR" smtClean="0"/>
-              <a:t>12/12/2023</a:t>
+              <a:t>22/01/2024</a:t>
             </a:fld>
             <a:endParaRPr lang="pt-BR"/>
           </a:p>
@@ -464,7 +471,7 @@
           <a:p>
             <a:fld id="{0A1764AE-7598-4101-9D63-6EC8D69CE664}" type="datetimeFigureOut">
               <a:rPr lang="pt-BR" smtClean="0"/>
-              <a:t>12/12/2023</a:t>
+              <a:t>22/01/2024</a:t>
             </a:fld>
             <a:endParaRPr lang="pt-BR"/>
           </a:p>
@@ -672,7 +679,7 @@
           <a:p>
             <a:fld id="{0A1764AE-7598-4101-9D63-6EC8D69CE664}" type="datetimeFigureOut">
               <a:rPr lang="pt-BR" smtClean="0"/>
-              <a:t>12/12/2023</a:t>
+              <a:t>22/01/2024</a:t>
             </a:fld>
             <a:endParaRPr lang="pt-BR"/>
           </a:p>
@@ -870,7 +877,7 @@
           <a:p>
             <a:fld id="{0A1764AE-7598-4101-9D63-6EC8D69CE664}" type="datetimeFigureOut">
               <a:rPr lang="pt-BR" smtClean="0"/>
-              <a:t>12/12/2023</a:t>
+              <a:t>22/01/2024</a:t>
             </a:fld>
             <a:endParaRPr lang="pt-BR"/>
           </a:p>
@@ -1145,7 +1152,7 @@
           <a:p>
             <a:fld id="{0A1764AE-7598-4101-9D63-6EC8D69CE664}" type="datetimeFigureOut">
               <a:rPr lang="pt-BR" smtClean="0"/>
-              <a:t>12/12/2023</a:t>
+              <a:t>22/01/2024</a:t>
             </a:fld>
             <a:endParaRPr lang="pt-BR"/>
           </a:p>
@@ -1410,7 +1417,7 @@
           <a:p>
             <a:fld id="{0A1764AE-7598-4101-9D63-6EC8D69CE664}" type="datetimeFigureOut">
               <a:rPr lang="pt-BR" smtClean="0"/>
-              <a:t>12/12/2023</a:t>
+              <a:t>22/01/2024</a:t>
             </a:fld>
             <a:endParaRPr lang="pt-BR"/>
           </a:p>
@@ -1822,7 +1829,7 @@
           <a:p>
             <a:fld id="{0A1764AE-7598-4101-9D63-6EC8D69CE664}" type="datetimeFigureOut">
               <a:rPr lang="pt-BR" smtClean="0"/>
-              <a:t>12/12/2023</a:t>
+              <a:t>22/01/2024</a:t>
             </a:fld>
             <a:endParaRPr lang="pt-BR"/>
           </a:p>
@@ -1963,7 +1970,7 @@
           <a:p>
             <a:fld id="{0A1764AE-7598-4101-9D63-6EC8D69CE664}" type="datetimeFigureOut">
               <a:rPr lang="pt-BR" smtClean="0"/>
-              <a:t>12/12/2023</a:t>
+              <a:t>22/01/2024</a:t>
             </a:fld>
             <a:endParaRPr lang="pt-BR"/>
           </a:p>
@@ -2076,7 +2083,7 @@
           <a:p>
             <a:fld id="{0A1764AE-7598-4101-9D63-6EC8D69CE664}" type="datetimeFigureOut">
               <a:rPr lang="pt-BR" smtClean="0"/>
-              <a:t>12/12/2023</a:t>
+              <a:t>22/01/2024</a:t>
             </a:fld>
             <a:endParaRPr lang="pt-BR"/>
           </a:p>
@@ -2387,7 +2394,7 @@
           <a:p>
             <a:fld id="{0A1764AE-7598-4101-9D63-6EC8D69CE664}" type="datetimeFigureOut">
               <a:rPr lang="pt-BR" smtClean="0"/>
-              <a:t>12/12/2023</a:t>
+              <a:t>22/01/2024</a:t>
             </a:fld>
             <a:endParaRPr lang="pt-BR"/>
           </a:p>
@@ -2675,7 +2682,7 @@
           <a:p>
             <a:fld id="{0A1764AE-7598-4101-9D63-6EC8D69CE664}" type="datetimeFigureOut">
               <a:rPr lang="pt-BR" smtClean="0"/>
-              <a:t>12/12/2023</a:t>
+              <a:t>22/01/2024</a:t>
             </a:fld>
             <a:endParaRPr lang="pt-BR"/>
           </a:p>
@@ -2916,7 +2923,7 @@
           <a:p>
             <a:fld id="{0A1764AE-7598-4101-9D63-6EC8D69CE664}" type="datetimeFigureOut">
               <a:rPr lang="pt-BR" smtClean="0"/>
-              <a:t>12/12/2023</a:t>
+              <a:t>22/01/2024</a:t>
             </a:fld>
             <a:endParaRPr lang="pt-BR"/>
           </a:p>
@@ -3390,6 +3397,1708 @@
     <p:extLst>
       <p:ext uri="{BB962C8B-B14F-4D97-AF65-F5344CB8AC3E}">
         <p14:creationId xmlns:p14="http://schemas.microsoft.com/office/powerpoint/2010/main" val="1359056639"/>
+      </p:ext>
+    </p:extLst>
+  </p:cSld>
+  <p:clrMapOvr>
+    <a:masterClrMapping/>
+  </p:clrMapOvr>
+</p:sld>
+</file>
+
+<file path=ppt/slides/slide10.xml><?xml version="1.0" encoding="utf-8"?>
+<p:sld xmlns:a="http://schemas.openxmlformats.org/drawingml/2006/main" xmlns:r="http://schemas.openxmlformats.org/officeDocument/2006/relationships" xmlns:p="http://schemas.openxmlformats.org/presentationml/2006/main">
+  <p:cSld>
+    <p:spTree>
+      <p:nvGrpSpPr>
+        <p:cNvPr id="1" name=""/>
+        <p:cNvGrpSpPr/>
+        <p:nvPr/>
+      </p:nvGrpSpPr>
+      <p:grpSpPr>
+        <a:xfrm>
+          <a:off x="0" y="0"/>
+          <a:ext cx="0" cy="0"/>
+          <a:chOff x="0" y="0"/>
+          <a:chExt cx="0" cy="0"/>
+        </a:xfrm>
+      </p:grpSpPr>
+      <p:sp>
+        <p:nvSpPr>
+          <p:cNvPr id="4" name="Retângulo 3"/>
+          <p:cNvSpPr/>
+          <p:nvPr/>
+        </p:nvSpPr>
+        <p:spPr>
+          <a:xfrm>
+            <a:off x="145002" y="153212"/>
+            <a:ext cx="6096000" cy="3139321"/>
+          </a:xfrm>
+          <a:prstGeom prst="rect">
+            <a:avLst/>
+          </a:prstGeom>
+        </p:spPr>
+        <p:txBody>
+          <a:bodyPr>
+            <a:spAutoFit/>
+          </a:bodyPr>
+          <a:lstStyle/>
+          <a:p>
+            <a:r>
+              <a:rPr lang="pt-BR" dirty="0"/>
+              <a:t>CT3: Verificações tela de requisição</a:t>
+            </a:r>
+            <a:br>
+              <a:rPr lang="pt-BR" dirty="0"/>
+            </a:br>
+            <a:r>
+              <a:rPr lang="pt-BR" dirty="0" smtClean="0"/>
+              <a:t>RN03: </a:t>
+            </a:r>
+            <a:r>
+              <a:rPr lang="pt-BR" dirty="0"/>
+              <a:t>Tela Requisição &gt; Campos</a:t>
+            </a:r>
+          </a:p>
+          <a:p>
+            <a:r>
+              <a:rPr lang="pt-BR" dirty="0"/>
+              <a:t>Resultado Esperado:</a:t>
+            </a:r>
+          </a:p>
+          <a:p>
+            <a:r>
+              <a:rPr lang="pt-BR" dirty="0"/>
+              <a:t> </a:t>
+            </a:r>
+          </a:p>
+          <a:p>
+            <a:r>
+              <a:rPr lang="pt-BR" dirty="0"/>
+              <a:t>Inserir Apenas Valores Inteiros No Campo ID</a:t>
+            </a:r>
+          </a:p>
+          <a:p>
+            <a:r>
+              <a:rPr lang="pt-BR" dirty="0"/>
+              <a:t> </a:t>
+            </a:r>
+          </a:p>
+          <a:p>
+            <a:r>
+              <a:rPr lang="pt-BR" dirty="0" err="1"/>
+              <a:t>Pré</a:t>
+            </a:r>
+            <a:r>
+              <a:rPr lang="pt-BR" dirty="0"/>
+              <a:t> – Condições: Tela do Almoxarifado, já está aberta.</a:t>
+            </a:r>
+          </a:p>
+          <a:p>
+            <a:r>
+              <a:rPr lang="pt-BR" dirty="0"/>
+              <a:t> </a:t>
+            </a:r>
+          </a:p>
+          <a:p>
+            <a:r>
+              <a:rPr lang="pt-BR" dirty="0"/>
+              <a:t>Ações</a:t>
+            </a:r>
+          </a:p>
+          <a:p>
+            <a:pPr lvl="0"/>
+            <a:r>
+              <a:rPr lang="pt-BR" dirty="0"/>
+              <a:t>Inserir um valor no campo ID | Resultado esperado: Inserir Um valor Inteiro No campo Id</a:t>
+            </a:r>
+          </a:p>
+        </p:txBody>
+      </p:sp>
+      <p:sp>
+        <p:nvSpPr>
+          <p:cNvPr id="5" name="Retângulo 4"/>
+          <p:cNvSpPr/>
+          <p:nvPr/>
+        </p:nvSpPr>
+        <p:spPr>
+          <a:xfrm>
+            <a:off x="6320901" y="302740"/>
+            <a:ext cx="6096000" cy="3416320"/>
+          </a:xfrm>
+          <a:prstGeom prst="rect">
+            <a:avLst/>
+          </a:prstGeom>
+        </p:spPr>
+        <p:txBody>
+          <a:bodyPr>
+            <a:spAutoFit/>
+          </a:bodyPr>
+          <a:lstStyle/>
+          <a:p>
+            <a:r>
+              <a:rPr lang="pt-BR" dirty="0"/>
+              <a:t>CT4: Verificações tela de requisição</a:t>
+            </a:r>
+            <a:br>
+              <a:rPr lang="pt-BR" dirty="0"/>
+            </a:br>
+            <a:r>
+              <a:rPr lang="pt-BR" dirty="0" smtClean="0"/>
+              <a:t>RN04: </a:t>
+            </a:r>
+            <a:r>
+              <a:rPr lang="pt-BR" dirty="0"/>
+              <a:t>Tela Requisição &gt; Campos</a:t>
+            </a:r>
+          </a:p>
+          <a:p>
+            <a:r>
+              <a:rPr lang="pt-BR" dirty="0"/>
+              <a:t>Resultado Esperado:</a:t>
+            </a:r>
+          </a:p>
+          <a:p>
+            <a:r>
+              <a:rPr lang="pt-BR" dirty="0"/>
+              <a:t> </a:t>
+            </a:r>
+          </a:p>
+          <a:p>
+            <a:r>
+              <a:rPr lang="pt-BR" dirty="0"/>
+              <a:t>Ao carregar a tela os dados da Categoria Motivo devem ser carregados da API.</a:t>
+            </a:r>
+          </a:p>
+          <a:p>
+            <a:r>
+              <a:rPr lang="pt-BR" dirty="0"/>
+              <a:t> </a:t>
+            </a:r>
+          </a:p>
+          <a:p>
+            <a:r>
+              <a:rPr lang="pt-BR" dirty="0" err="1"/>
+              <a:t>Pré</a:t>
+            </a:r>
+            <a:r>
+              <a:rPr lang="pt-BR" dirty="0"/>
+              <a:t> – Condições: Tela do Almoxarifado, já está aberta.</a:t>
+            </a:r>
+          </a:p>
+          <a:p>
+            <a:r>
+              <a:rPr lang="pt-BR" dirty="0"/>
+              <a:t> </a:t>
+            </a:r>
+          </a:p>
+          <a:p>
+            <a:r>
+              <a:rPr lang="pt-BR" dirty="0"/>
+              <a:t>Ações</a:t>
+            </a:r>
+          </a:p>
+          <a:p>
+            <a:pPr lvl="0"/>
+            <a:r>
+              <a:rPr lang="pt-BR" dirty="0"/>
+              <a:t>Entrar no site | Resultado esperado: Dados Serem Carregados Da API</a:t>
+            </a:r>
+          </a:p>
+        </p:txBody>
+      </p:sp>
+    </p:spTree>
+    <p:extLst>
+      <p:ext uri="{BB962C8B-B14F-4D97-AF65-F5344CB8AC3E}">
+        <p14:creationId xmlns:p14="http://schemas.microsoft.com/office/powerpoint/2010/main" val="4087724933"/>
+      </p:ext>
+    </p:extLst>
+  </p:cSld>
+  <p:clrMapOvr>
+    <a:masterClrMapping/>
+  </p:clrMapOvr>
+</p:sld>
+</file>
+
+<file path=ppt/slides/slide11.xml><?xml version="1.0" encoding="utf-8"?>
+<p:sld xmlns:a="http://schemas.openxmlformats.org/drawingml/2006/main" xmlns:r="http://schemas.openxmlformats.org/officeDocument/2006/relationships" xmlns:p="http://schemas.openxmlformats.org/presentationml/2006/main">
+  <p:cSld>
+    <p:spTree>
+      <p:nvGrpSpPr>
+        <p:cNvPr id="1" name=""/>
+        <p:cNvGrpSpPr/>
+        <p:nvPr/>
+      </p:nvGrpSpPr>
+      <p:grpSpPr>
+        <a:xfrm>
+          <a:off x="0" y="0"/>
+          <a:ext cx="0" cy="0"/>
+          <a:chOff x="0" y="0"/>
+          <a:chExt cx="0" cy="0"/>
+        </a:xfrm>
+      </p:grpSpPr>
+      <p:sp>
+        <p:nvSpPr>
+          <p:cNvPr id="4" name="Retângulo 3"/>
+          <p:cNvSpPr/>
+          <p:nvPr/>
+        </p:nvSpPr>
+        <p:spPr>
+          <a:xfrm>
+            <a:off x="145002" y="153212"/>
+            <a:ext cx="6096000" cy="5355312"/>
+          </a:xfrm>
+          <a:prstGeom prst="rect">
+            <a:avLst/>
+          </a:prstGeom>
+        </p:spPr>
+        <p:txBody>
+          <a:bodyPr>
+            <a:spAutoFit/>
+          </a:bodyPr>
+          <a:lstStyle/>
+          <a:p>
+            <a:r>
+              <a:rPr lang="pt-BR" dirty="0"/>
+              <a:t>CT5: Verificações tela de requisição</a:t>
+            </a:r>
+            <a:br>
+              <a:rPr lang="pt-BR" dirty="0"/>
+            </a:br>
+            <a:r>
+              <a:rPr lang="pt-BR" dirty="0"/>
+              <a:t>RN05: Tela Requisição &gt; Motivo</a:t>
+            </a:r>
+          </a:p>
+          <a:p>
+            <a:r>
+              <a:rPr lang="pt-BR" dirty="0"/>
+              <a:t>Resultado Esperado:</a:t>
+            </a:r>
+          </a:p>
+          <a:p>
+            <a:r>
+              <a:rPr lang="pt-BR" dirty="0"/>
+              <a:t> </a:t>
+            </a:r>
+          </a:p>
+          <a:p>
+            <a:r>
+              <a:rPr lang="pt-BR" dirty="0"/>
+              <a:t>Todo motivo está atrelado a uma Categoria de Motivo. Ao alterar os dados de uma categoria do motivo o campo motivo deve exibir somente os motivos da categoria selecionada.</a:t>
+            </a:r>
+          </a:p>
+          <a:p>
+            <a:r>
+              <a:rPr lang="pt-BR" dirty="0"/>
+              <a:t> </a:t>
+            </a:r>
+          </a:p>
+          <a:p>
+            <a:r>
+              <a:rPr lang="pt-BR" dirty="0">
+                <a:solidFill>
+                  <a:schemeClr val="bg2">
+                    <a:lumMod val="75000"/>
+                  </a:schemeClr>
+                </a:solidFill>
+              </a:rPr>
+              <a:t>Se a categoria não estiver nenhum motivo correspondente o campo [MOTIVO] deve ficar desabilitado e com a cor de fundo cinza.</a:t>
+            </a:r>
+          </a:p>
+          <a:p>
+            <a:r>
+              <a:rPr lang="pt-BR" dirty="0"/>
+              <a:t> </a:t>
+            </a:r>
+          </a:p>
+          <a:p>
+            <a:r>
+              <a:rPr lang="pt-BR" dirty="0"/>
+              <a:t> </a:t>
+            </a:r>
+          </a:p>
+          <a:p>
+            <a:r>
+              <a:rPr lang="pt-BR" dirty="0" err="1"/>
+              <a:t>Pré</a:t>
+            </a:r>
+            <a:r>
+              <a:rPr lang="pt-BR" dirty="0"/>
+              <a:t> – Condições: Tela do Almoxarifado, já está aberta.</a:t>
+            </a:r>
+          </a:p>
+          <a:p>
+            <a:r>
+              <a:rPr lang="pt-BR" dirty="0"/>
+              <a:t> </a:t>
+            </a:r>
+          </a:p>
+          <a:p>
+            <a:r>
+              <a:rPr lang="pt-BR" dirty="0"/>
+              <a:t>Ações</a:t>
+            </a:r>
+          </a:p>
+          <a:p>
+            <a:pPr lvl="0"/>
+            <a:r>
+              <a:rPr lang="pt-BR" dirty="0"/>
+              <a:t>Alterar os dados de uma categoria | Resultado esperado: o campo motivo deve exibir somente os motivos da categoria selecionada.</a:t>
+            </a:r>
+          </a:p>
+        </p:txBody>
+      </p:sp>
+      <p:sp>
+        <p:nvSpPr>
+          <p:cNvPr id="5" name="Retângulo 4"/>
+          <p:cNvSpPr/>
+          <p:nvPr/>
+        </p:nvSpPr>
+        <p:spPr>
+          <a:xfrm>
+            <a:off x="6320901" y="302740"/>
+            <a:ext cx="6096000" cy="4801314"/>
+          </a:xfrm>
+          <a:prstGeom prst="rect">
+            <a:avLst/>
+          </a:prstGeom>
+        </p:spPr>
+        <p:txBody>
+          <a:bodyPr>
+            <a:spAutoFit/>
+          </a:bodyPr>
+          <a:lstStyle/>
+          <a:p>
+            <a:r>
+              <a:rPr lang="pt-BR" dirty="0"/>
+              <a:t>CT6: Verificações tela de requisição</a:t>
+            </a:r>
+            <a:br>
+              <a:rPr lang="pt-BR" dirty="0"/>
+            </a:br>
+            <a:r>
+              <a:rPr lang="pt-BR" dirty="0"/>
+              <a:t>RN06: Tela Requisição &gt; Motivo</a:t>
+            </a:r>
+          </a:p>
+          <a:p>
+            <a:r>
+              <a:rPr lang="pt-BR" dirty="0"/>
+              <a:t>Resultado Esperado:</a:t>
+            </a:r>
+          </a:p>
+          <a:p>
+            <a:r>
+              <a:rPr lang="pt-BR" dirty="0"/>
+              <a:t> </a:t>
+            </a:r>
+          </a:p>
+          <a:p>
+            <a:r>
+              <a:rPr lang="pt-BR" dirty="0"/>
+              <a:t>Ao digitar um código no campo [ID] e esse existe na base de dados ou API o sistema deve exibir a descrição do departamento no campo Departamento. Se ao digitar um código, o mesmo não existir, logo a descrição deverá está vazia do campo Departamento.</a:t>
+            </a:r>
+          </a:p>
+          <a:p>
+            <a:r>
+              <a:rPr lang="pt-BR" dirty="0"/>
+              <a:t> </a:t>
+            </a:r>
+          </a:p>
+          <a:p>
+            <a:r>
+              <a:rPr lang="pt-BR" dirty="0"/>
+              <a:t> </a:t>
+            </a:r>
+          </a:p>
+          <a:p>
+            <a:r>
+              <a:rPr lang="pt-BR" dirty="0" err="1"/>
+              <a:t>Pré</a:t>
+            </a:r>
+            <a:r>
+              <a:rPr lang="pt-BR" dirty="0"/>
+              <a:t> – Condições: Tela do Almoxarifado, já está aberta.</a:t>
+            </a:r>
+          </a:p>
+          <a:p>
+            <a:r>
+              <a:rPr lang="pt-BR" dirty="0"/>
+              <a:t> </a:t>
+            </a:r>
+          </a:p>
+          <a:p>
+            <a:r>
+              <a:rPr lang="pt-BR" dirty="0"/>
+              <a:t>Ações</a:t>
+            </a:r>
+          </a:p>
+          <a:p>
+            <a:pPr lvl="0"/>
+            <a:r>
+              <a:rPr lang="pt-BR" dirty="0"/>
+              <a:t>Digitar Um código No campo ID | Resultado esperado: sistema deve exibir a descrição do departamento no campo Departamento.</a:t>
+            </a:r>
+          </a:p>
+        </p:txBody>
+      </p:sp>
+    </p:spTree>
+    <p:extLst>
+      <p:ext uri="{BB962C8B-B14F-4D97-AF65-F5344CB8AC3E}">
+        <p14:creationId xmlns:p14="http://schemas.microsoft.com/office/powerpoint/2010/main" val="2013503757"/>
+      </p:ext>
+    </p:extLst>
+  </p:cSld>
+  <p:clrMapOvr>
+    <a:masterClrMapping/>
+  </p:clrMapOvr>
+</p:sld>
+</file>
+
+<file path=ppt/slides/slide12.xml><?xml version="1.0" encoding="utf-8"?>
+<p:sld xmlns:a="http://schemas.openxmlformats.org/drawingml/2006/main" xmlns:r="http://schemas.openxmlformats.org/officeDocument/2006/relationships" xmlns:p="http://schemas.openxmlformats.org/presentationml/2006/main">
+  <p:cSld>
+    <p:spTree>
+      <p:nvGrpSpPr>
+        <p:cNvPr id="1" name=""/>
+        <p:cNvGrpSpPr/>
+        <p:nvPr/>
+      </p:nvGrpSpPr>
+      <p:grpSpPr>
+        <a:xfrm>
+          <a:off x="0" y="0"/>
+          <a:ext cx="0" cy="0"/>
+          <a:chOff x="0" y="0"/>
+          <a:chExt cx="0" cy="0"/>
+        </a:xfrm>
+      </p:grpSpPr>
+      <p:sp>
+        <p:nvSpPr>
+          <p:cNvPr id="4" name="Retângulo 3"/>
+          <p:cNvSpPr/>
+          <p:nvPr/>
+        </p:nvSpPr>
+        <p:spPr>
+          <a:xfrm>
+            <a:off x="145002" y="153212"/>
+            <a:ext cx="6096000" cy="4801314"/>
+          </a:xfrm>
+          <a:prstGeom prst="rect">
+            <a:avLst/>
+          </a:prstGeom>
+        </p:spPr>
+        <p:txBody>
+          <a:bodyPr>
+            <a:spAutoFit/>
+          </a:bodyPr>
+          <a:lstStyle/>
+          <a:p>
+            <a:r>
+              <a:rPr lang="pt-BR" dirty="0"/>
+              <a:t>CT7: Verificações tela de requisição</a:t>
+            </a:r>
+            <a:br>
+              <a:rPr lang="pt-BR" dirty="0"/>
+            </a:br>
+            <a:r>
+              <a:rPr lang="pt-BR" dirty="0"/>
+              <a:t>RN07: Tela Requisição &gt; [ ID </a:t>
+            </a:r>
+            <a:r>
+              <a:rPr lang="pt-BR" dirty="0" err="1"/>
+              <a:t>Fun</a:t>
+            </a:r>
+            <a:r>
+              <a:rPr lang="pt-BR" dirty="0"/>
+              <a:t>] [Nome </a:t>
+            </a:r>
+            <a:r>
+              <a:rPr lang="pt-BR" dirty="0" err="1"/>
+              <a:t>Funcionario</a:t>
+            </a:r>
+            <a:r>
+              <a:rPr lang="pt-BR" dirty="0"/>
+              <a:t>]</a:t>
+            </a:r>
+          </a:p>
+          <a:p>
+            <a:r>
+              <a:rPr lang="pt-BR" dirty="0"/>
+              <a:t>Resultado Esperado:</a:t>
+            </a:r>
+          </a:p>
+          <a:p>
+            <a:r>
+              <a:rPr lang="pt-BR" dirty="0"/>
+              <a:t> </a:t>
+            </a:r>
+          </a:p>
+          <a:p>
+            <a:r>
+              <a:rPr lang="pt-BR" dirty="0"/>
+              <a:t>Ao digitar um código no campo ID </a:t>
+            </a:r>
+            <a:r>
+              <a:rPr lang="pt-BR" dirty="0" err="1"/>
+              <a:t>Func</a:t>
+            </a:r>
+            <a:r>
+              <a:rPr lang="pt-BR" dirty="0"/>
+              <a:t> e esse existe na base de dados ou API o sistema deve exibir o nome do funcionário no campo [Nome  </a:t>
+            </a:r>
+            <a:r>
+              <a:rPr lang="pt-BR" dirty="0" err="1"/>
+              <a:t>Funcionario</a:t>
+            </a:r>
+            <a:r>
+              <a:rPr lang="pt-BR" dirty="0"/>
+              <a:t>]. Se ao digitar um código, o mesmo não existir, logo o campo [Nome </a:t>
+            </a:r>
+            <a:r>
+              <a:rPr lang="pt-BR" dirty="0" err="1"/>
+              <a:t>Funcionario</a:t>
+            </a:r>
+            <a:r>
+              <a:rPr lang="pt-BR" dirty="0"/>
+              <a:t>] fica vazio.</a:t>
+            </a:r>
+          </a:p>
+          <a:p>
+            <a:r>
+              <a:rPr lang="pt-BR" dirty="0"/>
+              <a:t> </a:t>
+            </a:r>
+          </a:p>
+          <a:p>
+            <a:r>
+              <a:rPr lang="pt-BR" dirty="0"/>
+              <a:t> </a:t>
+            </a:r>
+          </a:p>
+          <a:p>
+            <a:r>
+              <a:rPr lang="pt-BR" dirty="0" err="1"/>
+              <a:t>Pré</a:t>
+            </a:r>
+            <a:r>
+              <a:rPr lang="pt-BR" dirty="0"/>
+              <a:t> – Condições: Tela do Almoxarifado, já está aberta.</a:t>
+            </a:r>
+          </a:p>
+          <a:p>
+            <a:r>
+              <a:rPr lang="pt-BR" dirty="0"/>
+              <a:t> </a:t>
+            </a:r>
+          </a:p>
+          <a:p>
+            <a:r>
+              <a:rPr lang="pt-BR" dirty="0"/>
+              <a:t>Ações</a:t>
+            </a:r>
+          </a:p>
+          <a:p>
+            <a:pPr lvl="0"/>
+            <a:r>
+              <a:rPr lang="pt-BR" dirty="0"/>
+              <a:t>Digitar um código no campo ID </a:t>
+            </a:r>
+            <a:r>
+              <a:rPr lang="pt-BR" dirty="0" err="1"/>
+              <a:t>Func</a:t>
+            </a:r>
+            <a:r>
+              <a:rPr lang="pt-BR" dirty="0"/>
+              <a:t> | Resultado esperado: o sistema deve exibir o nome do funcionário no campo [Nome  </a:t>
+            </a:r>
+            <a:r>
+              <a:rPr lang="pt-BR" dirty="0" err="1"/>
+              <a:t>Funcionario</a:t>
+            </a:r>
+            <a:r>
+              <a:rPr lang="pt-BR" dirty="0"/>
+              <a:t>]</a:t>
+            </a:r>
+          </a:p>
+        </p:txBody>
+      </p:sp>
+      <p:sp>
+        <p:nvSpPr>
+          <p:cNvPr id="5" name="Retângulo 4"/>
+          <p:cNvSpPr/>
+          <p:nvPr/>
+        </p:nvSpPr>
+        <p:spPr>
+          <a:xfrm>
+            <a:off x="6320901" y="302740"/>
+            <a:ext cx="6096000" cy="4801314"/>
+          </a:xfrm>
+          <a:prstGeom prst="rect">
+            <a:avLst/>
+          </a:prstGeom>
+        </p:spPr>
+        <p:txBody>
+          <a:bodyPr>
+            <a:spAutoFit/>
+          </a:bodyPr>
+          <a:lstStyle/>
+          <a:p>
+            <a:r>
+              <a:rPr lang="pt-BR" dirty="0"/>
+              <a:t>CT8: Verificações tela de requisição</a:t>
+            </a:r>
+            <a:br>
+              <a:rPr lang="pt-BR" dirty="0"/>
+            </a:br>
+            <a:r>
+              <a:rPr lang="pt-BR" dirty="0"/>
+              <a:t>RN08: Tela Requisição &gt; [ ID] [</a:t>
+            </a:r>
+            <a:r>
+              <a:rPr lang="pt-BR" dirty="0" err="1"/>
+              <a:t>Descricao</a:t>
+            </a:r>
+            <a:r>
+              <a:rPr lang="pt-BR" dirty="0"/>
+              <a:t> Produto] [Estoque]</a:t>
+            </a:r>
+          </a:p>
+          <a:p>
+            <a:r>
+              <a:rPr lang="pt-BR" dirty="0"/>
+              <a:t>Resultado Esperado:</a:t>
+            </a:r>
+          </a:p>
+          <a:p>
+            <a:r>
+              <a:rPr lang="pt-BR" dirty="0"/>
+              <a:t> </a:t>
+            </a:r>
+          </a:p>
+          <a:p>
+            <a:r>
+              <a:rPr lang="pt-BR" dirty="0"/>
+              <a:t>Ao digitar um código no campo </a:t>
+            </a:r>
+            <a:r>
+              <a:rPr lang="pt-BR" dirty="0" err="1"/>
+              <a:t>Cod</a:t>
+            </a:r>
+            <a:r>
+              <a:rPr lang="pt-BR" dirty="0"/>
+              <a:t> Produto e esse existe na base de dados ou API o sistema deve exibir o nome do Produto e no campo [Estoque] a quantidade de itens em seu estoque. Se o código não existir, os campos Descrição do Produto e Estoque devem ficar em brancos.</a:t>
+            </a:r>
+          </a:p>
+          <a:p>
+            <a:r>
+              <a:rPr lang="pt-BR" dirty="0"/>
+              <a:t> </a:t>
+            </a:r>
+          </a:p>
+          <a:p>
+            <a:r>
+              <a:rPr lang="pt-BR" dirty="0"/>
+              <a:t> </a:t>
+            </a:r>
+          </a:p>
+          <a:p>
+            <a:r>
+              <a:rPr lang="pt-BR" dirty="0" err="1"/>
+              <a:t>Pré</a:t>
+            </a:r>
+            <a:r>
+              <a:rPr lang="pt-BR" dirty="0"/>
+              <a:t> – Condições: Tela do Almoxarifado, já está aberta.</a:t>
+            </a:r>
+          </a:p>
+          <a:p>
+            <a:r>
+              <a:rPr lang="pt-BR" dirty="0"/>
+              <a:t> </a:t>
+            </a:r>
+          </a:p>
+          <a:p>
+            <a:r>
+              <a:rPr lang="pt-BR" dirty="0"/>
+              <a:t>Ações</a:t>
+            </a:r>
+          </a:p>
+          <a:p>
+            <a:pPr lvl="0"/>
+            <a:r>
+              <a:rPr lang="pt-BR" dirty="0"/>
+              <a:t>Digitar um código no campo </a:t>
+            </a:r>
+            <a:r>
+              <a:rPr lang="pt-BR" dirty="0" err="1"/>
+              <a:t>Cod</a:t>
+            </a:r>
+            <a:r>
+              <a:rPr lang="pt-BR" dirty="0"/>
+              <a:t> Produto| Resultado esperado: o sistema deve exibir o nome do Produto e no campo [Estoque] a quantidade de itens em seu estoque.</a:t>
+            </a:r>
+          </a:p>
+        </p:txBody>
+      </p:sp>
+    </p:spTree>
+    <p:extLst>
+      <p:ext uri="{BB962C8B-B14F-4D97-AF65-F5344CB8AC3E}">
+        <p14:creationId xmlns:p14="http://schemas.microsoft.com/office/powerpoint/2010/main" val="2709492200"/>
+      </p:ext>
+    </p:extLst>
+  </p:cSld>
+  <p:clrMapOvr>
+    <a:masterClrMapping/>
+  </p:clrMapOvr>
+</p:sld>
+</file>
+
+<file path=ppt/slides/slide13.xml><?xml version="1.0" encoding="utf-8"?>
+<p:sld xmlns:a="http://schemas.openxmlformats.org/drawingml/2006/main" xmlns:r="http://schemas.openxmlformats.org/officeDocument/2006/relationships" xmlns:p="http://schemas.openxmlformats.org/presentationml/2006/main">
+  <p:cSld>
+    <p:spTree>
+      <p:nvGrpSpPr>
+        <p:cNvPr id="1" name=""/>
+        <p:cNvGrpSpPr/>
+        <p:nvPr/>
+      </p:nvGrpSpPr>
+      <p:grpSpPr>
+        <a:xfrm>
+          <a:off x="0" y="0"/>
+          <a:ext cx="0" cy="0"/>
+          <a:chOff x="0" y="0"/>
+          <a:chExt cx="0" cy="0"/>
+        </a:xfrm>
+      </p:grpSpPr>
+      <p:sp>
+        <p:nvSpPr>
+          <p:cNvPr id="4" name="Retângulo 3"/>
+          <p:cNvSpPr/>
+          <p:nvPr/>
+        </p:nvSpPr>
+        <p:spPr>
+          <a:xfrm>
+            <a:off x="145002" y="153212"/>
+            <a:ext cx="6096000" cy="4247317"/>
+          </a:xfrm>
+          <a:prstGeom prst="rect">
+            <a:avLst/>
+          </a:prstGeom>
+        </p:spPr>
+        <p:txBody>
+          <a:bodyPr>
+            <a:spAutoFit/>
+          </a:bodyPr>
+          <a:lstStyle/>
+          <a:p>
+            <a:r>
+              <a:rPr lang="pt-BR" dirty="0"/>
+              <a:t>CT9: Verificações tela de requisição</a:t>
+            </a:r>
+            <a:br>
+              <a:rPr lang="pt-BR" dirty="0"/>
+            </a:br>
+            <a:r>
+              <a:rPr lang="pt-BR" dirty="0"/>
+              <a:t>RN09: Tela Requisição &gt; Campo [Quantidade]</a:t>
+            </a:r>
+          </a:p>
+          <a:p>
+            <a:r>
+              <a:rPr lang="pt-BR" dirty="0"/>
+              <a:t> </a:t>
+            </a:r>
+          </a:p>
+          <a:p>
+            <a:r>
+              <a:rPr lang="pt-BR" dirty="0"/>
+              <a:t>Resultado Esperado:</a:t>
+            </a:r>
+          </a:p>
+          <a:p>
+            <a:r>
+              <a:rPr lang="pt-BR" dirty="0"/>
+              <a:t> </a:t>
+            </a:r>
+          </a:p>
+          <a:p>
+            <a:r>
+              <a:rPr lang="pt-BR" dirty="0"/>
+              <a:t>Campo quantidade só é habilitado, depois que um produto for localizado e quantidade em estoque for maior que zero.</a:t>
+            </a:r>
+          </a:p>
+          <a:p>
+            <a:r>
+              <a:rPr lang="pt-BR" dirty="0"/>
+              <a:t> </a:t>
+            </a:r>
+          </a:p>
+          <a:p>
+            <a:r>
+              <a:rPr lang="pt-BR" dirty="0"/>
+              <a:t> </a:t>
+            </a:r>
+          </a:p>
+          <a:p>
+            <a:r>
+              <a:rPr lang="pt-BR" dirty="0" err="1"/>
+              <a:t>Pré</a:t>
+            </a:r>
+            <a:r>
+              <a:rPr lang="pt-BR" dirty="0"/>
+              <a:t> – Condições: Tela do Almoxarifado, já está aberta.</a:t>
+            </a:r>
+          </a:p>
+          <a:p>
+            <a:r>
+              <a:rPr lang="pt-BR" dirty="0"/>
+              <a:t> </a:t>
+            </a:r>
+          </a:p>
+          <a:p>
+            <a:r>
+              <a:rPr lang="pt-BR" dirty="0"/>
+              <a:t>Ações</a:t>
+            </a:r>
+          </a:p>
+          <a:p>
+            <a:pPr lvl="0"/>
+            <a:r>
+              <a:rPr lang="pt-BR" dirty="0"/>
+              <a:t>Escolher um produto com quantidade maior que zero| Resultado esperado: Exibir a quantidade de produto no estoque</a:t>
+            </a:r>
+          </a:p>
+        </p:txBody>
+      </p:sp>
+      <p:sp>
+        <p:nvSpPr>
+          <p:cNvPr id="5" name="Retângulo 4"/>
+          <p:cNvSpPr/>
+          <p:nvPr/>
+        </p:nvSpPr>
+        <p:spPr>
+          <a:xfrm>
+            <a:off x="6320901" y="302740"/>
+            <a:ext cx="6096000" cy="3970318"/>
+          </a:xfrm>
+          <a:prstGeom prst="rect">
+            <a:avLst/>
+          </a:prstGeom>
+        </p:spPr>
+        <p:txBody>
+          <a:bodyPr>
+            <a:spAutoFit/>
+          </a:bodyPr>
+          <a:lstStyle/>
+          <a:p>
+            <a:r>
+              <a:rPr lang="pt-BR" dirty="0"/>
+              <a:t>CT10: Verificações tela de requisição</a:t>
+            </a:r>
+            <a:br>
+              <a:rPr lang="pt-BR" dirty="0"/>
+            </a:br>
+            <a:r>
+              <a:rPr lang="pt-BR" dirty="0"/>
+              <a:t>RN10: Tela Requisição &gt; Campo [Quantidade]</a:t>
+            </a:r>
+          </a:p>
+          <a:p>
+            <a:r>
+              <a:rPr lang="pt-BR" dirty="0"/>
+              <a:t> </a:t>
+            </a:r>
+          </a:p>
+          <a:p>
+            <a:r>
+              <a:rPr lang="pt-BR" dirty="0"/>
+              <a:t>Resultado Esperado:</a:t>
+            </a:r>
+          </a:p>
+          <a:p>
+            <a:r>
+              <a:rPr lang="pt-BR" dirty="0"/>
+              <a:t> </a:t>
+            </a:r>
+          </a:p>
+          <a:p>
+            <a:r>
+              <a:rPr lang="pt-BR" dirty="0"/>
+              <a:t>O campo Quantidade só deve aceitar valores inteiros maior que zero.</a:t>
+            </a:r>
+          </a:p>
+          <a:p>
+            <a:r>
+              <a:rPr lang="pt-BR" dirty="0"/>
+              <a:t> </a:t>
+            </a:r>
+          </a:p>
+          <a:p>
+            <a:r>
+              <a:rPr lang="pt-BR" dirty="0"/>
+              <a:t> </a:t>
+            </a:r>
+          </a:p>
+          <a:p>
+            <a:r>
+              <a:rPr lang="pt-BR" dirty="0" err="1"/>
+              <a:t>Pré</a:t>
+            </a:r>
+            <a:r>
+              <a:rPr lang="pt-BR" dirty="0"/>
+              <a:t> – Condições: Tela do Almoxarifado, já está aberta.</a:t>
+            </a:r>
+          </a:p>
+          <a:p>
+            <a:r>
+              <a:rPr lang="pt-BR" dirty="0"/>
+              <a:t> </a:t>
+            </a:r>
+          </a:p>
+          <a:p>
+            <a:r>
+              <a:rPr lang="pt-BR" dirty="0"/>
+              <a:t>Ações</a:t>
+            </a:r>
+          </a:p>
+          <a:p>
+            <a:pPr lvl="0"/>
+            <a:r>
+              <a:rPr lang="pt-BR" dirty="0"/>
+              <a:t>Inserir um valor no </a:t>
+            </a:r>
+            <a:r>
+              <a:rPr lang="pt-BR" u="sng" dirty="0"/>
+              <a:t>campo</a:t>
+            </a:r>
+            <a:r>
+              <a:rPr lang="pt-BR" dirty="0"/>
+              <a:t> quantidade| Resultado esperado: só aceitar valores inteiros maiores que zero</a:t>
+            </a:r>
+          </a:p>
+        </p:txBody>
+      </p:sp>
+    </p:spTree>
+    <p:extLst>
+      <p:ext uri="{BB962C8B-B14F-4D97-AF65-F5344CB8AC3E}">
+        <p14:creationId xmlns:p14="http://schemas.microsoft.com/office/powerpoint/2010/main" val="4201591477"/>
+      </p:ext>
+    </p:extLst>
+  </p:cSld>
+  <p:clrMapOvr>
+    <a:masterClrMapping/>
+  </p:clrMapOvr>
+</p:sld>
+</file>
+
+<file path=ppt/slides/slide14.xml><?xml version="1.0" encoding="utf-8"?>
+<p:sld xmlns:a="http://schemas.openxmlformats.org/drawingml/2006/main" xmlns:r="http://schemas.openxmlformats.org/officeDocument/2006/relationships" xmlns:p="http://schemas.openxmlformats.org/presentationml/2006/main">
+  <p:cSld>
+    <p:spTree>
+      <p:nvGrpSpPr>
+        <p:cNvPr id="1" name=""/>
+        <p:cNvGrpSpPr/>
+        <p:nvPr/>
+      </p:nvGrpSpPr>
+      <p:grpSpPr>
+        <a:xfrm>
+          <a:off x="0" y="0"/>
+          <a:ext cx="0" cy="0"/>
+          <a:chOff x="0" y="0"/>
+          <a:chExt cx="0" cy="0"/>
+        </a:xfrm>
+      </p:grpSpPr>
+      <p:sp>
+        <p:nvSpPr>
+          <p:cNvPr id="4" name="Retângulo 3"/>
+          <p:cNvSpPr/>
+          <p:nvPr/>
+        </p:nvSpPr>
+        <p:spPr>
+          <a:xfrm>
+            <a:off x="145002" y="153212"/>
+            <a:ext cx="6096000" cy="4801314"/>
+          </a:xfrm>
+          <a:prstGeom prst="rect">
+            <a:avLst/>
+          </a:prstGeom>
+        </p:spPr>
+        <p:txBody>
+          <a:bodyPr>
+            <a:spAutoFit/>
+          </a:bodyPr>
+          <a:lstStyle/>
+          <a:p>
+            <a:r>
+              <a:rPr lang="pt-BR" dirty="0"/>
+              <a:t>CT11: Verificações tela de requisição</a:t>
+            </a:r>
+            <a:br>
+              <a:rPr lang="pt-BR" dirty="0"/>
+            </a:br>
+            <a:r>
+              <a:rPr lang="pt-BR" dirty="0"/>
+              <a:t>RN11: Tela Requisição &gt; Botão Gravar</a:t>
+            </a:r>
+          </a:p>
+          <a:p>
+            <a:r>
+              <a:rPr lang="pt-BR" dirty="0"/>
+              <a:t> </a:t>
+            </a:r>
+          </a:p>
+          <a:p>
+            <a:r>
+              <a:rPr lang="pt-BR" dirty="0"/>
+              <a:t>Resultado Esperado:</a:t>
+            </a:r>
+          </a:p>
+          <a:p>
+            <a:r>
+              <a:rPr lang="pt-BR" dirty="0"/>
+              <a:t> </a:t>
+            </a:r>
+          </a:p>
+          <a:p>
+            <a:r>
+              <a:rPr lang="pt-BR" dirty="0"/>
+              <a:t>O botão gravar só deve ficar ativo depois que o valor da quantidade informada for maior que zero e se a quantidade for menor ou igual ao valor exibido no estoque.</a:t>
+            </a:r>
+          </a:p>
+          <a:p>
+            <a:r>
+              <a:rPr lang="pt-BR" dirty="0"/>
+              <a:t> </a:t>
+            </a:r>
+          </a:p>
+          <a:p>
+            <a:r>
+              <a:rPr lang="pt-BR" dirty="0"/>
+              <a:t> </a:t>
+            </a:r>
+          </a:p>
+          <a:p>
+            <a:r>
+              <a:rPr lang="pt-BR" dirty="0" err="1"/>
+              <a:t>Pré</a:t>
+            </a:r>
+            <a:r>
+              <a:rPr lang="pt-BR" dirty="0"/>
+              <a:t> – Condições: Tela do Almoxarifado, já está aberta.</a:t>
+            </a:r>
+          </a:p>
+          <a:p>
+            <a:r>
+              <a:rPr lang="pt-BR" dirty="0"/>
+              <a:t> </a:t>
+            </a:r>
+          </a:p>
+          <a:p>
+            <a:r>
+              <a:rPr lang="pt-BR" dirty="0"/>
+              <a:t>Ações</a:t>
+            </a:r>
+          </a:p>
+          <a:p>
+            <a:pPr lvl="0"/>
+            <a:r>
+              <a:rPr lang="pt-BR" dirty="0"/>
+              <a:t>Inserir um Valor no Campo Quantidade| Resultado esperado: Botão gravar ficar ativo apenas se o valor da quantidade informada for maior que zero e se a quantidade for menor ou igual ao valor exibido no estoque.</a:t>
+            </a:r>
+          </a:p>
+        </p:txBody>
+      </p:sp>
+      <p:sp>
+        <p:nvSpPr>
+          <p:cNvPr id="5" name="Retângulo 4"/>
+          <p:cNvSpPr/>
+          <p:nvPr/>
+        </p:nvSpPr>
+        <p:spPr>
+          <a:xfrm>
+            <a:off x="6320901" y="302740"/>
+            <a:ext cx="5779363" cy="4801314"/>
+          </a:xfrm>
+          <a:prstGeom prst="rect">
+            <a:avLst/>
+          </a:prstGeom>
+        </p:spPr>
+        <p:txBody>
+          <a:bodyPr wrap="square">
+            <a:spAutoFit/>
+          </a:bodyPr>
+          <a:lstStyle/>
+          <a:p>
+            <a:r>
+              <a:rPr lang="pt-BR" dirty="0" smtClean="0"/>
+              <a:t>CT12: </a:t>
+            </a:r>
+            <a:r>
+              <a:rPr lang="pt-BR" dirty="0"/>
+              <a:t>Verificações tela de requisição</a:t>
+            </a:r>
+            <a:br>
+              <a:rPr lang="pt-BR" dirty="0"/>
+            </a:br>
+            <a:r>
+              <a:rPr lang="pt-BR" dirty="0" smtClean="0"/>
+              <a:t>RN12: </a:t>
+            </a:r>
+            <a:r>
+              <a:rPr lang="pt-BR" dirty="0"/>
+              <a:t>Tela Requisição &gt; </a:t>
+            </a:r>
+            <a:r>
+              <a:rPr lang="pt-BR" dirty="0" err="1"/>
+              <a:t>Nivel</a:t>
+            </a:r>
+            <a:r>
+              <a:rPr lang="pt-BR" dirty="0"/>
+              <a:t> Prioridade</a:t>
+            </a:r>
+          </a:p>
+          <a:p>
+            <a:r>
+              <a:rPr lang="pt-BR" dirty="0"/>
+              <a:t> </a:t>
+            </a:r>
+          </a:p>
+          <a:p>
+            <a:r>
+              <a:rPr lang="pt-BR" dirty="0"/>
+              <a:t>Resultado Esperado:</a:t>
+            </a:r>
+          </a:p>
+          <a:p>
+            <a:r>
+              <a:rPr lang="pt-BR" dirty="0"/>
+              <a:t> </a:t>
+            </a:r>
+          </a:p>
+          <a:p>
+            <a:r>
+              <a:rPr lang="pt-BR" dirty="0" smtClean="0"/>
+              <a:t>Para cada nível ai clicar apresentar sua cor correspondente</a:t>
+            </a:r>
+          </a:p>
+          <a:p>
+            <a:r>
+              <a:rPr lang="pt-BR" dirty="0" smtClean="0"/>
+              <a:t>(urgente – vermelho, Médio – amarelo, Baixo – Verde)</a:t>
+            </a:r>
+            <a:endParaRPr lang="pt-BR" dirty="0"/>
+          </a:p>
+          <a:p>
+            <a:r>
+              <a:rPr lang="pt-BR" dirty="0"/>
+              <a:t> </a:t>
+            </a:r>
+          </a:p>
+          <a:p>
+            <a:r>
+              <a:rPr lang="pt-BR" dirty="0" err="1"/>
+              <a:t>Pré</a:t>
+            </a:r>
+            <a:r>
+              <a:rPr lang="pt-BR" dirty="0"/>
+              <a:t> – Condições: Tela do Almoxarifado, já está aberta.</a:t>
+            </a:r>
+          </a:p>
+          <a:p>
+            <a:r>
+              <a:rPr lang="pt-BR" dirty="0"/>
+              <a:t> </a:t>
+            </a:r>
+          </a:p>
+          <a:p>
+            <a:r>
+              <a:rPr lang="pt-BR" dirty="0"/>
+              <a:t>Ações</a:t>
+            </a:r>
+          </a:p>
+          <a:p>
+            <a:pPr marL="342900" lvl="0" indent="-342900">
+              <a:buAutoNum type="arabicPeriod"/>
+            </a:pPr>
+            <a:r>
+              <a:rPr lang="pt-BR" dirty="0" smtClean="0"/>
+              <a:t>Clicar em urgente | resultado esperado: circulo ficar com a cor vermelha</a:t>
+            </a:r>
+            <a:endParaRPr lang="pt-BR" dirty="0"/>
+          </a:p>
+          <a:p>
+            <a:pPr marL="342900" lvl="0" indent="-342900">
+              <a:buAutoNum type="arabicPeriod"/>
+            </a:pPr>
+            <a:r>
+              <a:rPr lang="pt-BR" dirty="0" smtClean="0"/>
+              <a:t>Clicar em médio | resultado esperado: circulo ficar com a cor amarela</a:t>
+            </a:r>
+          </a:p>
+          <a:p>
+            <a:pPr marL="342900" lvl="0" indent="-342900">
+              <a:buAutoNum type="arabicPeriod"/>
+            </a:pPr>
+            <a:r>
+              <a:rPr lang="pt-BR" dirty="0" smtClean="0"/>
+              <a:t>Clicar em baixo | resultado esperado: circulo ficar com a cor verde</a:t>
+            </a:r>
+          </a:p>
+        </p:txBody>
+      </p:sp>
+    </p:spTree>
+    <p:extLst>
+      <p:ext uri="{BB962C8B-B14F-4D97-AF65-F5344CB8AC3E}">
+        <p14:creationId xmlns:p14="http://schemas.microsoft.com/office/powerpoint/2010/main" val="3607951910"/>
+      </p:ext>
+    </p:extLst>
+  </p:cSld>
+  <p:clrMapOvr>
+    <a:masterClrMapping/>
+  </p:clrMapOvr>
+</p:sld>
+</file>
+
+<file path=ppt/slides/slide15.xml><?xml version="1.0" encoding="utf-8"?>
+<p:sld xmlns:a="http://schemas.openxmlformats.org/drawingml/2006/main" xmlns:r="http://schemas.openxmlformats.org/officeDocument/2006/relationships" xmlns:p="http://schemas.openxmlformats.org/presentationml/2006/main">
+  <p:cSld>
+    <p:spTree>
+      <p:nvGrpSpPr>
+        <p:cNvPr id="1" name=""/>
+        <p:cNvGrpSpPr/>
+        <p:nvPr/>
+      </p:nvGrpSpPr>
+      <p:grpSpPr>
+        <a:xfrm>
+          <a:off x="0" y="0"/>
+          <a:ext cx="0" cy="0"/>
+          <a:chOff x="0" y="0"/>
+          <a:chExt cx="0" cy="0"/>
+        </a:xfrm>
+      </p:grpSpPr>
+      <p:sp>
+        <p:nvSpPr>
+          <p:cNvPr id="4" name="Retângulo 3"/>
+          <p:cNvSpPr/>
+          <p:nvPr/>
+        </p:nvSpPr>
+        <p:spPr>
+          <a:xfrm>
+            <a:off x="145002" y="153212"/>
+            <a:ext cx="6096000" cy="6463308"/>
+          </a:xfrm>
+          <a:prstGeom prst="rect">
+            <a:avLst/>
+          </a:prstGeom>
+        </p:spPr>
+        <p:txBody>
+          <a:bodyPr>
+            <a:spAutoFit/>
+          </a:bodyPr>
+          <a:lstStyle/>
+          <a:p>
+            <a:pPr lvl="0">
+              <a:defRPr/>
+            </a:pPr>
+            <a:r>
+              <a:rPr lang="pt-BR" dirty="0" smtClean="0"/>
+              <a:t>CT13: </a:t>
+            </a:r>
+            <a:r>
+              <a:rPr lang="pt-BR" dirty="0"/>
+              <a:t>Verificações tela de requisição</a:t>
+            </a:r>
+            <a:br>
+              <a:rPr lang="pt-BR" dirty="0"/>
+            </a:br>
+            <a:r>
+              <a:rPr lang="pt-BR" dirty="0" smtClean="0"/>
+              <a:t>RN13: </a:t>
+            </a:r>
+            <a:r>
+              <a:rPr lang="pt-BR" dirty="0"/>
+              <a:t>Tela Requisição &gt; Elemento Status Estoque</a:t>
+            </a:r>
+          </a:p>
+          <a:p>
+            <a:r>
+              <a:rPr lang="pt-BR" dirty="0"/>
+              <a:t> </a:t>
+            </a:r>
+          </a:p>
+          <a:p>
+            <a:r>
+              <a:rPr lang="pt-BR" dirty="0"/>
+              <a:t>Resultado Esperado:</a:t>
+            </a:r>
+          </a:p>
+          <a:p>
+            <a:r>
+              <a:rPr lang="pt-BR" dirty="0"/>
+              <a:t> </a:t>
+            </a:r>
+          </a:p>
+          <a:p>
+            <a:r>
+              <a:rPr lang="pt-BR" dirty="0"/>
+              <a:t>O elemento Status Estoque é o retângulo exibido ao lado do campo quantidade e deve ficar com as cores a seguir </a:t>
+            </a:r>
+            <a:endParaRPr lang="pt-BR" dirty="0" smtClean="0"/>
+          </a:p>
+          <a:p>
+            <a:endParaRPr lang="pt-BR" dirty="0"/>
+          </a:p>
+          <a:p>
+            <a:r>
+              <a:rPr lang="pt-BR" dirty="0" smtClean="0"/>
+              <a:t>Verde: estoque acima de 10% do estoque mínimo</a:t>
+            </a:r>
+          </a:p>
+          <a:p>
+            <a:r>
+              <a:rPr lang="pt-BR" dirty="0" smtClean="0"/>
+              <a:t>Amarelo: estoque abaixo de 10% do estoque mínimo</a:t>
+            </a:r>
+          </a:p>
+          <a:p>
+            <a:r>
+              <a:rPr lang="pt-BR" dirty="0" smtClean="0"/>
+              <a:t>Vermelho: estoque abaixo do estoque </a:t>
+            </a:r>
+            <a:r>
+              <a:rPr lang="pt-BR" dirty="0" err="1" smtClean="0"/>
+              <a:t>minimo</a:t>
+            </a:r>
+            <a:endParaRPr lang="pt-BR" dirty="0" smtClean="0"/>
+          </a:p>
+          <a:p>
+            <a:r>
+              <a:rPr lang="pt-BR" dirty="0"/>
+              <a:t> </a:t>
+            </a:r>
+          </a:p>
+          <a:p>
+            <a:r>
+              <a:rPr lang="pt-BR" dirty="0" err="1"/>
+              <a:t>Pré</a:t>
+            </a:r>
+            <a:r>
+              <a:rPr lang="pt-BR" dirty="0"/>
+              <a:t> – Condições: Tela do Almoxarifado, já está </a:t>
+            </a:r>
+            <a:r>
+              <a:rPr lang="pt-BR" dirty="0" smtClean="0"/>
+              <a:t>aberta</a:t>
+            </a:r>
+          </a:p>
+          <a:p>
+            <a:endParaRPr lang="pt-BR" dirty="0" smtClean="0"/>
+          </a:p>
+          <a:p>
+            <a:r>
+              <a:rPr lang="pt-BR" dirty="0"/>
+              <a:t>Ações</a:t>
+            </a:r>
+          </a:p>
+          <a:p>
+            <a:pPr lvl="0"/>
+            <a:r>
+              <a:rPr lang="pt-BR" dirty="0"/>
+              <a:t>estoque acima de 10% do estoque mínimo| resultado esperado: </a:t>
+            </a:r>
+            <a:r>
+              <a:rPr lang="pt-BR" dirty="0"/>
+              <a:t>retângulo</a:t>
+            </a:r>
+            <a:r>
+              <a:rPr lang="pt-BR" dirty="0" smtClean="0"/>
+              <a:t> </a:t>
+            </a:r>
+            <a:r>
+              <a:rPr lang="pt-BR" dirty="0"/>
+              <a:t>ficar com a cor verde</a:t>
+            </a:r>
+          </a:p>
+          <a:p>
+            <a:r>
+              <a:rPr lang="pt-BR" dirty="0"/>
+              <a:t>2. estoque abaixo de 10% do estoque mínimo | resultado esperado: </a:t>
+            </a:r>
+            <a:r>
+              <a:rPr lang="pt-BR" dirty="0"/>
+              <a:t>retângulo</a:t>
+            </a:r>
+            <a:r>
+              <a:rPr lang="pt-BR" dirty="0" smtClean="0"/>
+              <a:t> </a:t>
+            </a:r>
+            <a:r>
+              <a:rPr lang="pt-BR" dirty="0"/>
+              <a:t>ficar com a cor amarela</a:t>
+            </a:r>
+          </a:p>
+          <a:p>
+            <a:r>
+              <a:rPr lang="pt-BR" dirty="0"/>
+              <a:t>3.  estoque abaixo do estoque </a:t>
+            </a:r>
+            <a:r>
+              <a:rPr lang="pt-BR" dirty="0" err="1"/>
+              <a:t>minimo</a:t>
+            </a:r>
+            <a:r>
+              <a:rPr lang="pt-BR" dirty="0"/>
+              <a:t> | resultado esperado: </a:t>
+            </a:r>
+            <a:r>
+              <a:rPr lang="pt-BR" dirty="0"/>
+              <a:t>retângulo</a:t>
+            </a:r>
+            <a:r>
+              <a:rPr lang="pt-BR" dirty="0" smtClean="0"/>
+              <a:t> </a:t>
+            </a:r>
+            <a:r>
+              <a:rPr lang="pt-BR" dirty="0"/>
+              <a:t>ficar com a cor vermelha</a:t>
+            </a:r>
+          </a:p>
+          <a:p>
+            <a:endParaRPr lang="pt-BR" dirty="0"/>
+          </a:p>
+          <a:p>
+            <a:r>
+              <a:rPr lang="pt-BR" dirty="0"/>
+              <a:t> </a:t>
+            </a:r>
+          </a:p>
+        </p:txBody>
+      </p:sp>
+      <p:sp>
+        <p:nvSpPr>
+          <p:cNvPr id="7" name="Retângulo 6"/>
+          <p:cNvSpPr/>
+          <p:nvPr/>
+        </p:nvSpPr>
+        <p:spPr>
+          <a:xfrm>
+            <a:off x="6241002" y="191014"/>
+            <a:ext cx="6096000" cy="6740307"/>
+          </a:xfrm>
+          <a:prstGeom prst="rect">
+            <a:avLst/>
+          </a:prstGeom>
+        </p:spPr>
+        <p:txBody>
+          <a:bodyPr>
+            <a:spAutoFit/>
+          </a:bodyPr>
+          <a:lstStyle/>
+          <a:p>
+            <a:r>
+              <a:rPr lang="pt-BR" dirty="0" smtClean="0"/>
+              <a:t>CT14: </a:t>
+            </a:r>
+            <a:r>
+              <a:rPr lang="pt-BR" dirty="0"/>
+              <a:t>Verificações tela de requisição</a:t>
+            </a:r>
+            <a:br>
+              <a:rPr lang="pt-BR" dirty="0"/>
+            </a:br>
+            <a:r>
+              <a:rPr lang="pt-BR" dirty="0" smtClean="0"/>
+              <a:t>RN14: </a:t>
+            </a:r>
+            <a:r>
+              <a:rPr lang="pt-BR" dirty="0"/>
+              <a:t>Tela Requisição &gt; Status Estoque &gt; </a:t>
+            </a:r>
+            <a:r>
+              <a:rPr lang="pt-BR" dirty="0" err="1"/>
+              <a:t>ToolTip</a:t>
+            </a:r>
+            <a:endParaRPr lang="pt-BR" dirty="0"/>
+          </a:p>
+          <a:p>
+            <a:r>
+              <a:rPr lang="pt-BR" dirty="0"/>
+              <a:t> </a:t>
+            </a:r>
+          </a:p>
+          <a:p>
+            <a:r>
+              <a:rPr lang="pt-BR" dirty="0"/>
+              <a:t>Resultado Esperado:</a:t>
+            </a:r>
+          </a:p>
+          <a:p>
+            <a:r>
+              <a:rPr lang="pt-BR" dirty="0"/>
+              <a:t> </a:t>
+            </a:r>
+          </a:p>
+          <a:p>
+            <a:pPr lvl="0">
+              <a:defRPr/>
+            </a:pPr>
+            <a:r>
+              <a:rPr lang="pt-BR" dirty="0"/>
+              <a:t>Ao colocar o mouse sobre o elemento Status Estoque (retângulo) deve ser exibido a legenda a seguir</a:t>
+            </a:r>
+            <a:r>
+              <a:rPr lang="pt-BR" dirty="0" smtClean="0"/>
+              <a:t>.</a:t>
+            </a:r>
+          </a:p>
+          <a:p>
+            <a:pPr lvl="0">
+              <a:defRPr/>
+            </a:pPr>
+            <a:endParaRPr lang="pt-BR" dirty="0" smtClean="0"/>
+          </a:p>
+          <a:p>
+            <a:r>
+              <a:rPr lang="pt-BR" dirty="0"/>
+              <a:t>Verde: estoque acima de 10% do estoque mínimo</a:t>
+            </a:r>
+          </a:p>
+          <a:p>
+            <a:r>
+              <a:rPr lang="pt-BR" dirty="0"/>
+              <a:t>Amarelo: estoque abaixo de 10% do estoque mínimo</a:t>
+            </a:r>
+          </a:p>
+          <a:p>
+            <a:r>
+              <a:rPr lang="pt-BR" dirty="0"/>
+              <a:t>Vermelho: estoque abaixo do estoque </a:t>
+            </a:r>
+            <a:r>
+              <a:rPr lang="pt-BR" dirty="0" err="1"/>
+              <a:t>minimo</a:t>
+            </a:r>
+            <a:endParaRPr lang="pt-BR" dirty="0"/>
+          </a:p>
+          <a:p>
+            <a:r>
+              <a:rPr lang="pt-BR" dirty="0"/>
+              <a:t> </a:t>
+            </a:r>
+          </a:p>
+          <a:p>
+            <a:r>
+              <a:rPr lang="pt-BR" dirty="0" err="1"/>
+              <a:t>Pré</a:t>
+            </a:r>
+            <a:r>
+              <a:rPr lang="pt-BR" dirty="0"/>
+              <a:t> – Condições: Tela do Almoxarifado, já está </a:t>
+            </a:r>
+            <a:r>
+              <a:rPr lang="pt-BR" dirty="0" smtClean="0"/>
+              <a:t>aberta</a:t>
+            </a:r>
+          </a:p>
+          <a:p>
+            <a:endParaRPr lang="pt-BR" dirty="0" smtClean="0"/>
+          </a:p>
+          <a:p>
+            <a:r>
+              <a:rPr lang="pt-BR" dirty="0"/>
+              <a:t>Ações</a:t>
+            </a:r>
+          </a:p>
+          <a:p>
+            <a:pPr lvl="0"/>
+            <a:r>
+              <a:rPr lang="pt-BR" dirty="0" smtClean="0"/>
+              <a:t>Passar o mouse em cima do </a:t>
+            </a:r>
+            <a:r>
+              <a:rPr lang="pt-BR" dirty="0"/>
+              <a:t>retângulo</a:t>
+            </a:r>
+            <a:r>
+              <a:rPr lang="pt-BR" dirty="0" smtClean="0"/>
+              <a:t>| </a:t>
+            </a:r>
+            <a:r>
+              <a:rPr lang="pt-BR" dirty="0"/>
+              <a:t>resultado esperado</a:t>
+            </a:r>
+            <a:r>
+              <a:rPr lang="pt-BR" dirty="0" smtClean="0"/>
+              <a:t>:</a:t>
+            </a:r>
+          </a:p>
+          <a:p>
+            <a:r>
+              <a:rPr lang="pt-BR" dirty="0" smtClean="0"/>
+              <a:t>Aparecer o </a:t>
+            </a:r>
+            <a:r>
+              <a:rPr lang="pt-BR" dirty="0"/>
+              <a:t>retângulo</a:t>
+            </a:r>
+            <a:r>
+              <a:rPr lang="pt-BR" dirty="0" smtClean="0"/>
+              <a:t> com as informações sobre o estoque</a:t>
+            </a:r>
+          </a:p>
+          <a:p>
+            <a:r>
+              <a:rPr lang="pt-BR" dirty="0" smtClean="0"/>
+              <a:t/>
+            </a:r>
+            <a:br>
+              <a:rPr lang="pt-BR" dirty="0" smtClean="0"/>
+            </a:br>
+            <a:r>
+              <a:rPr lang="pt-BR" dirty="0"/>
+              <a:t>Verde: estoque acima de 10% do estoque mínimo</a:t>
+            </a:r>
+          </a:p>
+          <a:p>
+            <a:r>
+              <a:rPr lang="pt-BR" dirty="0"/>
+              <a:t>Amarelo: estoque abaixo de 10% do estoque mínimo</a:t>
+            </a:r>
+          </a:p>
+          <a:p>
+            <a:r>
+              <a:rPr lang="pt-BR" dirty="0"/>
+              <a:t>Vermelho: estoque abaixo do estoque </a:t>
+            </a:r>
+            <a:r>
+              <a:rPr lang="pt-BR" dirty="0" err="1"/>
+              <a:t>minimo</a:t>
+            </a:r>
+            <a:endParaRPr lang="pt-BR" dirty="0"/>
+          </a:p>
+          <a:p>
+            <a:r>
+              <a:rPr lang="pt-BR" dirty="0"/>
+              <a:t> </a:t>
+            </a:r>
+          </a:p>
+          <a:p>
+            <a:pPr lvl="0"/>
+            <a:endParaRPr lang="pt-BR" dirty="0"/>
+          </a:p>
+          <a:p>
+            <a:r>
+              <a:rPr lang="pt-BR" dirty="0"/>
+              <a:t> </a:t>
+            </a:r>
+          </a:p>
+        </p:txBody>
+      </p:sp>
+    </p:spTree>
+    <p:extLst>
+      <p:ext uri="{BB962C8B-B14F-4D97-AF65-F5344CB8AC3E}">
+        <p14:creationId xmlns:p14="http://schemas.microsoft.com/office/powerpoint/2010/main" val="2149203602"/>
       </p:ext>
     </p:extLst>
   </p:cSld>
@@ -4848,14 +6557,14 @@
             <p:ph idx="1"/>
             <p:extLst>
               <p:ext uri="{D42A27DB-BD31-4B8C-83A1-F6EECF244321}">
-                <p14:modId xmlns:p14="http://schemas.microsoft.com/office/powerpoint/2010/main" val="946322543"/>
+                <p14:modId xmlns:p14="http://schemas.microsoft.com/office/powerpoint/2010/main" val="1536053440"/>
               </p:ext>
             </p:extLst>
           </p:nvPr>
         </p:nvGraphicFramePr>
         <p:xfrm>
           <a:off x="581891" y="982475"/>
-          <a:ext cx="11329060" cy="5126724"/>
+          <a:ext cx="11329060" cy="5186080"/>
         </p:xfrm>
         <a:graphic>
           <a:graphicData uri="http://schemas.openxmlformats.org/drawingml/2006/table">
@@ -5028,7 +6737,7 @@
                   </a:ext>
                 </a:extLst>
               </a:tr>
-              <a:tr h="736134">
+              <a:tr h="973756">
                 <a:tc>
                   <a:txBody>
                     <a:bodyPr/>
@@ -5568,7 +7277,15 @@
                       </a:pPr>
                       <a:r>
                         <a:rPr lang="pt-BR" dirty="0"/>
-                        <a:t>O elemento Status Estoque é o retângulo exibido ao lado do campo quantidade e deve ficar com as cores a seguir e conforme legenda.</a:t>
+                        <a:t>O elemento Status Estoque é o retângulo exibido ao lado do campo quantidade e deve ficar com as cores a seguir e conforme </a:t>
+                      </a:r>
+                      <a:r>
+                        <a:rPr lang="pt-BR" dirty="0" smtClean="0"/>
+                        <a:t>legenda</a:t>
+                      </a:r>
+                      <a:r>
+                        <a:rPr lang="pt-BR" dirty="0"/>
+                        <a:t>.</a:t>
                       </a:r>
                     </a:p>
                     <a:p>
@@ -5626,7 +7343,7 @@
         </p:blipFill>
         <p:spPr>
           <a:xfrm>
-            <a:off x="4288327" y="2179007"/>
+            <a:off x="4388235" y="2536459"/>
             <a:ext cx="2018551" cy="683599"/>
           </a:xfrm>
           <a:prstGeom prst="rect">
@@ -5656,7 +7373,7 @@
         </p:blipFill>
         <p:spPr>
           <a:xfrm>
-            <a:off x="6586326" y="2179007"/>
+            <a:off x="6586326" y="2505154"/>
             <a:ext cx="2018551" cy="714904"/>
           </a:xfrm>
           <a:prstGeom prst="rect">
@@ -5686,7 +7403,7 @@
         </p:blipFill>
         <p:spPr>
           <a:xfrm>
-            <a:off x="8784417" y="2188747"/>
+            <a:off x="8931369" y="2494721"/>
             <a:ext cx="2563521" cy="725337"/>
           </a:xfrm>
           <a:prstGeom prst="rect">
@@ -6013,6 +7730,414 @@
     <p:extLst>
       <p:ext uri="{BB962C8B-B14F-4D97-AF65-F5344CB8AC3E}">
         <p14:creationId xmlns:p14="http://schemas.microsoft.com/office/powerpoint/2010/main" val="1904971298"/>
+      </p:ext>
+    </p:extLst>
+  </p:cSld>
+  <p:clrMapOvr>
+    <a:masterClrMapping/>
+  </p:clrMapOvr>
+</p:sld>
+</file>
+
+<file path=ppt/slides/slide9.xml><?xml version="1.0" encoding="utf-8"?>
+<p:sld xmlns:a="http://schemas.openxmlformats.org/drawingml/2006/main" xmlns:r="http://schemas.openxmlformats.org/officeDocument/2006/relationships" xmlns:p="http://schemas.openxmlformats.org/presentationml/2006/main">
+  <p:cSld>
+    <p:spTree>
+      <p:nvGrpSpPr>
+        <p:cNvPr id="1" name=""/>
+        <p:cNvGrpSpPr/>
+        <p:nvPr/>
+      </p:nvGrpSpPr>
+      <p:grpSpPr>
+        <a:xfrm>
+          <a:off x="0" y="0"/>
+          <a:ext cx="0" cy="0"/>
+          <a:chOff x="0" y="0"/>
+          <a:chExt cx="0" cy="0"/>
+        </a:xfrm>
+      </p:grpSpPr>
+      <p:sp>
+        <p:nvSpPr>
+          <p:cNvPr id="4" name="Retângulo 3"/>
+          <p:cNvSpPr/>
+          <p:nvPr/>
+        </p:nvSpPr>
+        <p:spPr>
+          <a:xfrm>
+            <a:off x="145002" y="153212"/>
+            <a:ext cx="6096000" cy="5131148"/>
+          </a:xfrm>
+          <a:prstGeom prst="rect">
+            <a:avLst/>
+          </a:prstGeom>
+        </p:spPr>
+        <p:txBody>
+          <a:bodyPr>
+            <a:spAutoFit/>
+          </a:bodyPr>
+          <a:lstStyle/>
+          <a:p>
+            <a:pPr>
+              <a:lnSpc>
+                <a:spcPct val="115000"/>
+              </a:lnSpc>
+              <a:spcAft>
+                <a:spcPts val="1000"/>
+              </a:spcAft>
+            </a:pPr>
+            <a:r>
+              <a:rPr lang="pt-BR" dirty="0">
+                <a:latin typeface="Futura Bk BT"/>
+                <a:ea typeface="Calibri" panose="020F0502020204030204" pitchFamily="34" charset="0"/>
+                <a:cs typeface="Times New Roman" panose="02020603050405020304" pitchFamily="18" charset="0"/>
+              </a:rPr>
+              <a:t>CT1: Verificações tela de requisição</a:t>
+            </a:r>
+            <a:br>
+              <a:rPr lang="pt-BR" dirty="0">
+                <a:latin typeface="Futura Bk BT"/>
+                <a:ea typeface="Calibri" panose="020F0502020204030204" pitchFamily="34" charset="0"/>
+                <a:cs typeface="Times New Roman" panose="02020603050405020304" pitchFamily="18" charset="0"/>
+              </a:rPr>
+            </a:br>
+            <a:r>
+              <a:rPr lang="pt-BR" dirty="0">
+                <a:latin typeface="Futura Bk BT"/>
+                <a:ea typeface="Calibri" panose="020F0502020204030204" pitchFamily="34" charset="0"/>
+                <a:cs typeface="Times New Roman" panose="02020603050405020304" pitchFamily="18" charset="0"/>
+              </a:rPr>
+              <a:t>RN01:</a:t>
+            </a:r>
+            <a:r>
+              <a:rPr lang="pt-BR" dirty="0">
+                <a:solidFill>
+                  <a:srgbClr val="000000"/>
+                </a:solidFill>
+                <a:latin typeface="Calibri" panose="020F0502020204030204" pitchFamily="34" charset="0"/>
+                <a:ea typeface="Times New Roman" panose="02020603050405020304" pitchFamily="18" charset="0"/>
+                <a:cs typeface="Times New Roman" panose="02020603050405020304" pitchFamily="18" charset="0"/>
+              </a:rPr>
+              <a:t> </a:t>
+            </a:r>
+            <a:r>
+              <a:rPr lang="pt-BR" dirty="0">
+                <a:latin typeface="Futura Bk BT"/>
+                <a:ea typeface="Calibri" panose="020F0502020204030204" pitchFamily="34" charset="0"/>
+                <a:cs typeface="Times New Roman" panose="02020603050405020304" pitchFamily="18" charset="0"/>
+              </a:rPr>
+              <a:t>Tela Requisição &gt; Campos</a:t>
+            </a:r>
+            <a:endParaRPr lang="pt-BR" sz="1100" dirty="0">
+              <a:latin typeface="Calibri" panose="020F0502020204030204" pitchFamily="34" charset="0"/>
+              <a:ea typeface="Calibri" panose="020F0502020204030204" pitchFamily="34" charset="0"/>
+              <a:cs typeface="Times New Roman" panose="02020603050405020304" pitchFamily="18" charset="0"/>
+            </a:endParaRPr>
+          </a:p>
+          <a:p>
+            <a:pPr>
+              <a:lnSpc>
+                <a:spcPct val="115000"/>
+              </a:lnSpc>
+              <a:spcAft>
+                <a:spcPts val="1000"/>
+              </a:spcAft>
+            </a:pPr>
+            <a:r>
+              <a:rPr lang="pt-BR" dirty="0">
+                <a:latin typeface="Futura Bk BT"/>
+                <a:ea typeface="Calibri" panose="020F0502020204030204" pitchFamily="34" charset="0"/>
+                <a:cs typeface="Times New Roman" panose="02020603050405020304" pitchFamily="18" charset="0"/>
+              </a:rPr>
+              <a:t>Resultado Esperado:</a:t>
+            </a:r>
+            <a:endParaRPr lang="pt-BR" sz="1100" dirty="0">
+              <a:latin typeface="Calibri" panose="020F0502020204030204" pitchFamily="34" charset="0"/>
+              <a:ea typeface="Calibri" panose="020F0502020204030204" pitchFamily="34" charset="0"/>
+              <a:cs typeface="Times New Roman" panose="02020603050405020304" pitchFamily="18" charset="0"/>
+            </a:endParaRPr>
+          </a:p>
+          <a:p>
+            <a:pPr>
+              <a:lnSpc>
+                <a:spcPct val="115000"/>
+              </a:lnSpc>
+              <a:spcAft>
+                <a:spcPts val="1000"/>
+              </a:spcAft>
+            </a:pPr>
+            <a:r>
+              <a:rPr lang="pt-BR" dirty="0">
+                <a:latin typeface="Futura Bk BT"/>
+                <a:ea typeface="Calibri" panose="020F0502020204030204" pitchFamily="34" charset="0"/>
+                <a:cs typeface="Times New Roman" panose="02020603050405020304" pitchFamily="18" charset="0"/>
+              </a:rPr>
+              <a:t>Todos Os Campos Obrigatórios não preenchidos ao clicar no botão gravar ficaram em vermelhos.</a:t>
+            </a:r>
+            <a:endParaRPr lang="pt-BR" sz="1100" dirty="0">
+              <a:latin typeface="Calibri" panose="020F0502020204030204" pitchFamily="34" charset="0"/>
+              <a:ea typeface="Calibri" panose="020F0502020204030204" pitchFamily="34" charset="0"/>
+              <a:cs typeface="Times New Roman" panose="02020603050405020304" pitchFamily="18" charset="0"/>
+            </a:endParaRPr>
+          </a:p>
+          <a:p>
+            <a:pPr>
+              <a:lnSpc>
+                <a:spcPct val="115000"/>
+              </a:lnSpc>
+              <a:spcAft>
+                <a:spcPts val="1000"/>
+              </a:spcAft>
+            </a:pPr>
+            <a:r>
+              <a:rPr lang="pt-BR" dirty="0">
+                <a:latin typeface="Futura Bk BT"/>
+                <a:ea typeface="Calibri" panose="020F0502020204030204" pitchFamily="34" charset="0"/>
+                <a:cs typeface="Times New Roman" panose="02020603050405020304" pitchFamily="18" charset="0"/>
+              </a:rPr>
+              <a:t> </a:t>
+            </a:r>
+            <a:endParaRPr lang="pt-BR" sz="1100" dirty="0">
+              <a:latin typeface="Calibri" panose="020F0502020204030204" pitchFamily="34" charset="0"/>
+              <a:ea typeface="Calibri" panose="020F0502020204030204" pitchFamily="34" charset="0"/>
+              <a:cs typeface="Times New Roman" panose="02020603050405020304" pitchFamily="18" charset="0"/>
+            </a:endParaRPr>
+          </a:p>
+          <a:p>
+            <a:pPr>
+              <a:lnSpc>
+                <a:spcPct val="115000"/>
+              </a:lnSpc>
+              <a:spcAft>
+                <a:spcPts val="1000"/>
+              </a:spcAft>
+            </a:pPr>
+            <a:r>
+              <a:rPr lang="pt-BR" dirty="0" err="1" smtClean="0">
+                <a:latin typeface="Futura Bk BT"/>
+                <a:ea typeface="Calibri" panose="020F0502020204030204" pitchFamily="34" charset="0"/>
+                <a:cs typeface="Times New Roman" panose="02020603050405020304" pitchFamily="18" charset="0"/>
+              </a:rPr>
+              <a:t>Pré</a:t>
+            </a:r>
+            <a:r>
+              <a:rPr lang="pt-BR" dirty="0" smtClean="0">
+                <a:latin typeface="Futura Bk BT"/>
+                <a:ea typeface="Calibri" panose="020F0502020204030204" pitchFamily="34" charset="0"/>
+                <a:cs typeface="Times New Roman" panose="02020603050405020304" pitchFamily="18" charset="0"/>
+              </a:rPr>
+              <a:t> </a:t>
+            </a:r>
+            <a:r>
+              <a:rPr lang="pt-BR" dirty="0">
+                <a:latin typeface="Futura Bk BT"/>
+                <a:ea typeface="Calibri" panose="020F0502020204030204" pitchFamily="34" charset="0"/>
+                <a:cs typeface="Times New Roman" panose="02020603050405020304" pitchFamily="18" charset="0"/>
+              </a:rPr>
+              <a:t>– Condições: Tela do Almoxarifado, já está aberta.</a:t>
+            </a:r>
+            <a:endParaRPr lang="pt-BR" sz="1100" dirty="0">
+              <a:latin typeface="Calibri" panose="020F0502020204030204" pitchFamily="34" charset="0"/>
+              <a:ea typeface="Calibri" panose="020F0502020204030204" pitchFamily="34" charset="0"/>
+              <a:cs typeface="Times New Roman" panose="02020603050405020304" pitchFamily="18" charset="0"/>
+            </a:endParaRPr>
+          </a:p>
+          <a:p>
+            <a:pPr>
+              <a:lnSpc>
+                <a:spcPct val="115000"/>
+              </a:lnSpc>
+              <a:spcAft>
+                <a:spcPts val="1000"/>
+              </a:spcAft>
+            </a:pPr>
+            <a:r>
+              <a:rPr lang="pt-BR" dirty="0">
+                <a:latin typeface="Futura Bk BT"/>
+                <a:ea typeface="Calibri" panose="020F0502020204030204" pitchFamily="34" charset="0"/>
+                <a:cs typeface="Times New Roman" panose="02020603050405020304" pitchFamily="18" charset="0"/>
+              </a:rPr>
+              <a:t> </a:t>
+            </a:r>
+            <a:endParaRPr lang="pt-BR" sz="1100" dirty="0">
+              <a:latin typeface="Calibri" panose="020F0502020204030204" pitchFamily="34" charset="0"/>
+              <a:ea typeface="Calibri" panose="020F0502020204030204" pitchFamily="34" charset="0"/>
+              <a:cs typeface="Times New Roman" panose="02020603050405020304" pitchFamily="18" charset="0"/>
+            </a:endParaRPr>
+          </a:p>
+          <a:p>
+            <a:pPr>
+              <a:lnSpc>
+                <a:spcPct val="115000"/>
+              </a:lnSpc>
+              <a:spcAft>
+                <a:spcPts val="1000"/>
+              </a:spcAft>
+            </a:pPr>
+            <a:r>
+              <a:rPr lang="pt-BR" dirty="0">
+                <a:latin typeface="Futura Bk BT"/>
+                <a:ea typeface="Calibri" panose="020F0502020204030204" pitchFamily="34" charset="0"/>
+                <a:cs typeface="Times New Roman" panose="02020603050405020304" pitchFamily="18" charset="0"/>
+              </a:rPr>
+              <a:t>Ações</a:t>
+            </a:r>
+            <a:endParaRPr lang="pt-BR" sz="1100" dirty="0">
+              <a:latin typeface="Calibri" panose="020F0502020204030204" pitchFamily="34" charset="0"/>
+              <a:ea typeface="Calibri" panose="020F0502020204030204" pitchFamily="34" charset="0"/>
+              <a:cs typeface="Times New Roman" panose="02020603050405020304" pitchFamily="18" charset="0"/>
+            </a:endParaRPr>
+          </a:p>
+          <a:p>
+            <a:pPr marL="342900" lvl="0" indent="-342900">
+              <a:lnSpc>
+                <a:spcPct val="115000"/>
+              </a:lnSpc>
+              <a:spcAft>
+                <a:spcPts val="0"/>
+              </a:spcAft>
+              <a:buFont typeface="+mj-lt"/>
+              <a:buAutoNum type="arabicPeriod"/>
+            </a:pPr>
+            <a:r>
+              <a:rPr lang="pt-BR" dirty="0">
+                <a:latin typeface="Futura Bk BT"/>
+                <a:ea typeface="Calibri" panose="020F0502020204030204" pitchFamily="34" charset="0"/>
+                <a:cs typeface="Times New Roman" panose="02020603050405020304" pitchFamily="18" charset="0"/>
+              </a:rPr>
+              <a:t>Preencher campos obrigatórios | Resultado Esperado: Campos Preenchidos</a:t>
+            </a:r>
+            <a:endParaRPr lang="pt-BR" sz="1100" dirty="0">
+              <a:latin typeface="Calibri" panose="020F0502020204030204" pitchFamily="34" charset="0"/>
+              <a:ea typeface="Calibri" panose="020F0502020204030204" pitchFamily="34" charset="0"/>
+              <a:cs typeface="Times New Roman" panose="02020603050405020304" pitchFamily="18" charset="0"/>
+            </a:endParaRPr>
+          </a:p>
+          <a:p>
+            <a:pPr marL="342900" lvl="0" indent="-342900">
+              <a:lnSpc>
+                <a:spcPct val="115000"/>
+              </a:lnSpc>
+              <a:spcAft>
+                <a:spcPts val="1000"/>
+              </a:spcAft>
+              <a:buFont typeface="+mj-lt"/>
+              <a:buAutoNum type="arabicPeriod"/>
+            </a:pPr>
+            <a:r>
+              <a:rPr lang="pt-BR" dirty="0">
+                <a:latin typeface="Futura Bk BT"/>
+                <a:ea typeface="Calibri" panose="020F0502020204030204" pitchFamily="34" charset="0"/>
+                <a:cs typeface="Times New Roman" panose="02020603050405020304" pitchFamily="18" charset="0"/>
+              </a:rPr>
+              <a:t>Clicar no Botão gravar| Resultado Esperado: Verificar Se todos os campos obrigatórios estão preenchidos</a:t>
+            </a:r>
+            <a:endParaRPr lang="pt-BR" sz="1100" dirty="0">
+              <a:effectLst/>
+              <a:latin typeface="Calibri" panose="020F0502020204030204" pitchFamily="34" charset="0"/>
+              <a:ea typeface="Calibri" panose="020F0502020204030204" pitchFamily="34" charset="0"/>
+              <a:cs typeface="Times New Roman" panose="02020603050405020304" pitchFamily="18" charset="0"/>
+            </a:endParaRPr>
+          </a:p>
+        </p:txBody>
+      </p:sp>
+      <p:sp>
+        <p:nvSpPr>
+          <p:cNvPr id="5" name="Retângulo 4"/>
+          <p:cNvSpPr/>
+          <p:nvPr/>
+        </p:nvSpPr>
+        <p:spPr>
+          <a:xfrm>
+            <a:off x="6320901" y="302740"/>
+            <a:ext cx="6096000" cy="4893647"/>
+          </a:xfrm>
+          <a:prstGeom prst="rect">
+            <a:avLst/>
+          </a:prstGeom>
+        </p:spPr>
+        <p:txBody>
+          <a:bodyPr>
+            <a:spAutoFit/>
+          </a:bodyPr>
+          <a:lstStyle/>
+          <a:p>
+            <a:r>
+              <a:rPr lang="pt-BR" sz="2400" dirty="0"/>
+              <a:t>CT2: Verificações tela de requisição</a:t>
+            </a:r>
+            <a:br>
+              <a:rPr lang="pt-BR" sz="2400" dirty="0"/>
+            </a:br>
+            <a:r>
+              <a:rPr lang="pt-BR" sz="2400" dirty="0" smtClean="0"/>
+              <a:t>RN02: </a:t>
+            </a:r>
+            <a:r>
+              <a:rPr lang="pt-BR" sz="2400" dirty="0"/>
+              <a:t>Tela Requisição &gt; </a:t>
+            </a:r>
+            <a:r>
+              <a:rPr lang="pt-BR" sz="2400" dirty="0" smtClean="0"/>
+              <a:t>Campos</a:t>
+            </a:r>
+          </a:p>
+          <a:p>
+            <a:endParaRPr lang="pt-BR" sz="2400" dirty="0"/>
+          </a:p>
+          <a:p>
+            <a:r>
+              <a:rPr lang="pt-BR" sz="2400" dirty="0"/>
+              <a:t>Resultado Esperado:</a:t>
+            </a:r>
+          </a:p>
+          <a:p>
+            <a:r>
+              <a:rPr lang="pt-BR" sz="2400" dirty="0"/>
+              <a:t>Ao Entrar Dentro de Um campo o fundo deve ficar </a:t>
+            </a:r>
+            <a:r>
+              <a:rPr lang="pt-BR" sz="2400" dirty="0" smtClean="0"/>
+              <a:t>Verde</a:t>
+            </a:r>
+          </a:p>
+          <a:p>
+            <a:endParaRPr lang="pt-BR" sz="2400" dirty="0"/>
+          </a:p>
+          <a:p>
+            <a:r>
+              <a:rPr lang="pt-BR" sz="2400" dirty="0" err="1"/>
+              <a:t>Pré</a:t>
+            </a:r>
+            <a:r>
+              <a:rPr lang="pt-BR" sz="2400" dirty="0"/>
+              <a:t> – Condições: Tela do Almoxarifado, já está aberta.</a:t>
+            </a:r>
+          </a:p>
+          <a:p>
+            <a:r>
+              <a:rPr lang="pt-BR" sz="2400" dirty="0"/>
+              <a:t> </a:t>
+            </a:r>
+          </a:p>
+          <a:p>
+            <a:r>
+              <a:rPr lang="pt-BR" sz="2400" dirty="0"/>
+              <a:t>Ações</a:t>
+            </a:r>
+          </a:p>
+          <a:p>
+            <a:pPr lvl="0"/>
+            <a:r>
+              <a:rPr lang="pt-BR" sz="2400" dirty="0"/>
+              <a:t>Entrar no Campo | Resultado esperado: fundo Do campo ficar Verde</a:t>
+            </a:r>
+          </a:p>
+        </p:txBody>
+      </p:sp>
+    </p:spTree>
+    <p:extLst>
+      <p:ext uri="{BB962C8B-B14F-4D97-AF65-F5344CB8AC3E}">
+        <p14:creationId xmlns:p14="http://schemas.microsoft.com/office/powerpoint/2010/main" val="3403764005"/>
       </p:ext>
     </p:extLst>
   </p:cSld>
